--- a/docs/PresentacionPowerPoint.pptx
+++ b/docs/PresentacionPowerPoint.pptx
@@ -35846,38 +35846,65 @@
             <p:ph type="title"/>
           </p:nvPr>
         </p:nvSpPr>
-        <p:spPr/>
+        <p:spPr>
+          <a:xfrm>
+            <a:off x="241163" y="152272"/>
+            <a:ext cx="9404723" cy="1400530"/>
+          </a:xfrm>
+        </p:spPr>
         <p:txBody>
           <a:bodyPr/>
           <a:lstStyle/>
           <a:p>
             <a:r>
               <a:rPr lang="es-AR" dirty="0" smtClean="0"/>
-              <a:t>Diagrama de Paquetes.</a:t>
+              <a:t>Diagrama de </a:t>
+            </a:r>
+            <a:r>
+              <a:rPr lang="es-AR" dirty="0" smtClean="0"/>
+              <a:t>Paquetes (</a:t>
+            </a:r>
+            <a:r>
+              <a:rPr lang="es-AR" dirty="0" err="1" smtClean="0"/>
+              <a:t>ViewController</a:t>
+            </a:r>
+            <a:r>
+              <a:rPr lang="es-AR" dirty="0" smtClean="0"/>
+              <a:t>).</a:t>
             </a:r>
             <a:endParaRPr lang="es-AR" dirty="0"/>
           </a:p>
         </p:txBody>
       </p:sp>
-      <p:sp>
-        <p:nvSpPr>
-          <p:cNvPr id="3" name="Marcador de contenido 2"/>
-          <p:cNvSpPr>
-            <a:spLocks noGrp="1"/>
-          </p:cNvSpPr>
+      <p:pic>
+        <p:nvPicPr>
+          <p:cNvPr id="4" name="Marcador de contenido 3"/>
+          <p:cNvPicPr>
+            <a:picLocks noGrp="1" noChangeAspect="1"/>
+          </p:cNvPicPr>
           <p:nvPr>
             <p:ph idx="1"/>
           </p:nvPr>
-        </p:nvSpPr>
-        <p:spPr/>
-        <p:txBody>
-          <a:bodyPr/>
-          <a:lstStyle/>
-          <a:p>
-            <a:endParaRPr lang="es-AR"/>
-          </a:p>
-        </p:txBody>
-      </p:sp>
+        </p:nvPicPr>
+        <p:blipFill>
+          <a:blip r:embed="rId2">
+            <a:extLst>
+              <a:ext uri="{28A0092B-C50C-407E-A947-70E740481C1C}">
+                <a14:useLocalDpi xmlns:a14="http://schemas.microsoft.com/office/drawing/2010/main" val="0"/>
+              </a:ext>
+            </a:extLst>
+          </a:blip>
+          <a:stretch>
+            <a:fillRect/>
+          </a:stretch>
+        </p:blipFill>
+        <p:spPr>
+          <a:xfrm>
+            <a:off x="340242" y="1552802"/>
+            <a:ext cx="11430002" cy="5305198"/>
+          </a:xfrm>
+        </p:spPr>
+      </p:pic>
     </p:spTree>
     <p:extLst>
       <p:ext uri="{BB962C8B-B14F-4D97-AF65-F5344CB8AC3E}">

--- a/docs/PresentacionPowerPoint.pptx
+++ b/docs/PresentacionPowerPoint.pptx
@@ -20,12 +20,14 @@
     <p:sldId id="264" r:id="rId14"/>
     <p:sldId id="263" r:id="rId15"/>
     <p:sldId id="265" r:id="rId16"/>
-    <p:sldId id="266" r:id="rId17"/>
-    <p:sldId id="267" r:id="rId18"/>
-    <p:sldId id="268" r:id="rId19"/>
-    <p:sldId id="269" r:id="rId20"/>
-    <p:sldId id="270" r:id="rId21"/>
-    <p:sldId id="271" r:id="rId22"/>
+    <p:sldId id="273" r:id="rId17"/>
+    <p:sldId id="272" r:id="rId18"/>
+    <p:sldId id="266" r:id="rId19"/>
+    <p:sldId id="267" r:id="rId20"/>
+    <p:sldId id="268" r:id="rId21"/>
+    <p:sldId id="269" r:id="rId22"/>
+    <p:sldId id="270" r:id="rId23"/>
+    <p:sldId id="271" r:id="rId24"/>
   </p:sldIdLst>
   <p:sldSz cx="12192000" cy="6858000"/>
   <p:notesSz cx="6858000" cy="9144000"/>
@@ -35537,35 +35539,53 @@
           <a:p>
             <a:r>
               <a:rPr lang="es-AR" dirty="0" smtClean="0"/>
-              <a:t>Documento de diseño.</a:t>
+              <a:t>Documento de diseño</a:t>
+            </a:r>
+            <a:r>
+              <a:rPr lang="es-AR" dirty="0" smtClean="0"/>
+              <a:t>. (</a:t>
+            </a:r>
+            <a:r>
+              <a:rPr lang="es-AR" dirty="0" err="1" smtClean="0"/>
+              <a:t>Model</a:t>
+            </a:r>
+            <a:r>
+              <a:rPr lang="es-AR" dirty="0" smtClean="0"/>
+              <a:t>).</a:t>
             </a:r>
             <a:endParaRPr lang="es-AR" dirty="0"/>
           </a:p>
         </p:txBody>
       </p:sp>
-      <p:sp>
-        <p:nvSpPr>
-          <p:cNvPr id="3" name="Marcador de contenido 2"/>
-          <p:cNvSpPr>
-            <a:spLocks noGrp="1"/>
-          </p:cNvSpPr>
+      <p:pic>
+        <p:nvPicPr>
+          <p:cNvPr id="4" name="Marcador de contenido 3"/>
+          <p:cNvPicPr>
+            <a:picLocks noGrp="1" noChangeAspect="1"/>
+          </p:cNvPicPr>
           <p:nvPr>
             <p:ph idx="1"/>
           </p:nvPr>
-        </p:nvSpPr>
-        <p:spPr/>
-        <p:txBody>
-          <a:bodyPr/>
-          <a:lstStyle/>
-          <a:p>
-            <a:r>
-              <a:rPr lang="es-AR" dirty="0" smtClean="0"/>
-              <a:t>Clases</a:t>
-            </a:r>
-            <a:endParaRPr lang="es-AR" dirty="0"/>
-          </a:p>
-        </p:txBody>
-      </p:sp>
+        </p:nvPicPr>
+        <p:blipFill>
+          <a:blip r:embed="rId2">
+            <a:extLst>
+              <a:ext uri="{28A0092B-C50C-407E-A947-70E740481C1C}">
+                <a14:useLocalDpi xmlns:a14="http://schemas.microsoft.com/office/drawing/2010/main" val="0"/>
+              </a:ext>
+            </a:extLst>
+          </a:blip>
+          <a:stretch>
+            <a:fillRect/>
+          </a:stretch>
+        </p:blipFill>
+        <p:spPr>
+          <a:xfrm>
+            <a:off x="2644729" y="2091826"/>
+            <a:ext cx="7596552" cy="4195762"/>
+          </a:xfrm>
+        </p:spPr>
+      </p:pic>
     </p:spTree>
     <p:extLst>
       <p:ext uri="{BB962C8B-B14F-4D97-AF65-F5344CB8AC3E}">
@@ -35613,11 +35633,11 @@
           <a:p>
             <a:r>
               <a:rPr lang="es-AR" dirty="0" smtClean="0"/>
-              <a:t>Patrón </a:t>
+              <a:t>Diagramas de secuencia </a:t>
             </a:r>
             <a:r>
               <a:rPr lang="es-AR" dirty="0" err="1" smtClean="0"/>
-              <a:t>Singleton</a:t>
+              <a:t>Model</a:t>
             </a:r>
             <a:r>
               <a:rPr lang="es-AR" dirty="0" smtClean="0"/>
@@ -35627,29 +35647,99 @@
           </a:p>
         </p:txBody>
       </p:sp>
-      <p:sp>
-        <p:nvSpPr>
-          <p:cNvPr id="3" name="Marcador de contenido 2"/>
-          <p:cNvSpPr>
-            <a:spLocks noGrp="1"/>
-          </p:cNvSpPr>
+      <p:pic>
+        <p:nvPicPr>
+          <p:cNvPr id="4" name="Marcador de contenido 3"/>
+          <p:cNvPicPr>
+            <a:picLocks noGrp="1" noChangeAspect="1"/>
+          </p:cNvPicPr>
           <p:nvPr>
             <p:ph idx="1"/>
           </p:nvPr>
-        </p:nvSpPr>
-        <p:spPr/>
-        <p:txBody>
-          <a:bodyPr/>
-          <a:lstStyle/>
-          <a:p>
-            <a:endParaRPr lang="es-AR" dirty="0"/>
-          </a:p>
-        </p:txBody>
-      </p:sp>
+        </p:nvPicPr>
+        <p:blipFill>
+          <a:blip r:embed="rId2">
+            <a:extLst>
+              <a:ext uri="{28A0092B-C50C-407E-A947-70E740481C1C}">
+                <a14:useLocalDpi xmlns:a14="http://schemas.microsoft.com/office/drawing/2010/main" val="0"/>
+              </a:ext>
+            </a:extLst>
+          </a:blip>
+          <a:stretch>
+            <a:fillRect/>
+          </a:stretch>
+        </p:blipFill>
+        <p:spPr>
+          <a:xfrm>
+            <a:off x="218179" y="1853248"/>
+            <a:ext cx="6956536" cy="3868942"/>
+          </a:xfrm>
+        </p:spPr>
+      </p:pic>
+      <p:pic>
+        <p:nvPicPr>
+          <p:cNvPr id="5" name="Imagen 4"/>
+          <p:cNvPicPr>
+            <a:picLocks noChangeAspect="1"/>
+          </p:cNvPicPr>
+          <p:nvPr/>
+        </p:nvPicPr>
+        <p:blipFill>
+          <a:blip r:embed="rId3">
+            <a:extLst>
+              <a:ext uri="{28A0092B-C50C-407E-A947-70E740481C1C}">
+                <a14:useLocalDpi xmlns:a14="http://schemas.microsoft.com/office/drawing/2010/main" val="0"/>
+              </a:ext>
+            </a:extLst>
+          </a:blip>
+          <a:stretch>
+            <a:fillRect/>
+          </a:stretch>
+        </p:blipFill>
+        <p:spPr>
+          <a:xfrm>
+            <a:off x="7555366" y="1486830"/>
+            <a:ext cx="3276190" cy="1923810"/>
+          </a:xfrm>
+          <a:prstGeom prst="rect">
+            <a:avLst/>
+          </a:prstGeom>
+        </p:spPr>
+      </p:pic>
+      <p:pic>
+        <p:nvPicPr>
+          <p:cNvPr id="6" name="Imagen 5"/>
+          <p:cNvPicPr>
+            <a:picLocks noChangeAspect="1"/>
+          </p:cNvPicPr>
+          <p:nvPr/>
+        </p:nvPicPr>
+        <p:blipFill>
+          <a:blip r:embed="rId4">
+            <a:extLst>
+              <a:ext uri="{28A0092B-C50C-407E-A947-70E740481C1C}">
+                <a14:useLocalDpi xmlns:a14="http://schemas.microsoft.com/office/drawing/2010/main" val="0"/>
+              </a:ext>
+            </a:extLst>
+          </a:blip>
+          <a:stretch>
+            <a:fillRect/>
+          </a:stretch>
+        </p:blipFill>
+        <p:spPr>
+          <a:xfrm>
+            <a:off x="7460491" y="4091133"/>
+            <a:ext cx="3828571" cy="2333333"/>
+          </a:xfrm>
+          <a:prstGeom prst="rect">
+            <a:avLst/>
+          </a:prstGeom>
+        </p:spPr>
+      </p:pic>
     </p:spTree>
     <p:extLst>
       <p:ext uri="{BB962C8B-B14F-4D97-AF65-F5344CB8AC3E}">
-        <p14:creationId xmlns:p14="http://schemas.microsoft.com/office/powerpoint/2010/main" val="1587648641"/>
+        <p14:creationId xmlns:p14="http://schemas.microsoft.com/office/powerpoint/2010/main" val="63042479"/>
       </p:ext>
     </p:extLst>
   </p:cSld>
@@ -35692,16 +35782,27 @@
           <a:lstStyle/>
           <a:p>
             <a:r>
+              <a:rPr lang="es-AR" dirty="0"/>
+              <a:t>Documento de diseño. </a:t>
+            </a:r>
+            <a:r>
               <a:rPr lang="es-AR" dirty="0" smtClean="0"/>
-              <a:t>Patrón </a:t>
+              <a:t/>
+            </a:r>
+            <a:br>
+              <a:rPr lang="es-AR" dirty="0" smtClean="0"/>
+            </a:br>
+            <a:r>
+              <a:rPr lang="es-AR" dirty="0" smtClean="0"/>
+              <a:t>(View </a:t>
             </a:r>
             <a:r>
               <a:rPr lang="es-AR" dirty="0" err="1" smtClean="0"/>
-              <a:t>Strategy</a:t>
+              <a:t>Controller</a:t>
             </a:r>
             <a:r>
               <a:rPr lang="es-AR" dirty="0" smtClean="0"/>
-              <a:t>.</a:t>
+              <a:t>).</a:t>
             </a:r>
             <a:endParaRPr lang="es-AR" dirty="0"/>
           </a:p>
@@ -35722,14 +35823,14 @@
           <a:bodyPr/>
           <a:lstStyle/>
           <a:p>
-            <a:endParaRPr lang="es-AR"/>
+            <a:endParaRPr lang="es-AR" dirty="0"/>
           </a:p>
         </p:txBody>
       </p:sp>
     </p:spTree>
     <p:extLst>
       <p:ext uri="{BB962C8B-B14F-4D97-AF65-F5344CB8AC3E}">
-        <p14:creationId xmlns:p14="http://schemas.microsoft.com/office/powerpoint/2010/main" val="858599095"/>
+        <p14:creationId xmlns:p14="http://schemas.microsoft.com/office/powerpoint/2010/main" val="2254227874"/>
       </p:ext>
     </p:extLst>
   </p:cSld>
@@ -35777,7 +35878,7 @@
             </a:r>
             <a:r>
               <a:rPr lang="es-AR" dirty="0" err="1" smtClean="0"/>
-              <a:t>Observer</a:t>
+              <a:t>Singleton</a:t>
             </a:r>
             <a:r>
               <a:rPr lang="es-AR" dirty="0" smtClean="0"/>
@@ -35787,29 +35888,39 @@
           </a:p>
         </p:txBody>
       </p:sp>
-      <p:sp>
-        <p:nvSpPr>
-          <p:cNvPr id="3" name="Marcador de contenido 2"/>
-          <p:cNvSpPr>
-            <a:spLocks noGrp="1"/>
-          </p:cNvSpPr>
+      <p:pic>
+        <p:nvPicPr>
+          <p:cNvPr id="4" name="Marcador de contenido 3"/>
+          <p:cNvPicPr>
+            <a:picLocks noGrp="1" noChangeAspect="1"/>
+          </p:cNvPicPr>
           <p:nvPr>
             <p:ph idx="1"/>
           </p:nvPr>
-        </p:nvSpPr>
-        <p:spPr/>
-        <p:txBody>
-          <a:bodyPr/>
-          <a:lstStyle/>
-          <a:p>
-            <a:endParaRPr lang="es-AR"/>
-          </a:p>
-        </p:txBody>
-      </p:sp>
+        </p:nvPicPr>
+        <p:blipFill>
+          <a:blip r:embed="rId2">
+            <a:extLst>
+              <a:ext uri="{28A0092B-C50C-407E-A947-70E740481C1C}">
+                <a14:useLocalDpi xmlns:a14="http://schemas.microsoft.com/office/drawing/2010/main" val="0"/>
+              </a:ext>
+            </a:extLst>
+          </a:blip>
+          <a:stretch>
+            <a:fillRect/>
+          </a:stretch>
+        </p:blipFill>
+        <p:spPr>
+          <a:xfrm>
+            <a:off x="2821578" y="2291305"/>
+            <a:ext cx="6230982" cy="3379185"/>
+          </a:xfrm>
+        </p:spPr>
+      </p:pic>
     </p:spTree>
     <p:extLst>
       <p:ext uri="{BB962C8B-B14F-4D97-AF65-F5344CB8AC3E}">
-        <p14:creationId xmlns:p14="http://schemas.microsoft.com/office/powerpoint/2010/main" val="1662860764"/>
+        <p14:creationId xmlns:p14="http://schemas.microsoft.com/office/powerpoint/2010/main" val="1587648641"/>
       </p:ext>
     </p:extLst>
   </p:cSld>
@@ -35846,6 +35957,186 @@
             <p:ph type="title"/>
           </p:nvPr>
         </p:nvSpPr>
+        <p:spPr/>
+        <p:txBody>
+          <a:bodyPr/>
+          <a:lstStyle/>
+          <a:p>
+            <a:r>
+              <a:rPr lang="es-AR" dirty="0" smtClean="0"/>
+              <a:t>Patrón </a:t>
+            </a:r>
+            <a:r>
+              <a:rPr lang="es-AR" dirty="0" err="1" smtClean="0"/>
+              <a:t>Strategy</a:t>
+            </a:r>
+            <a:r>
+              <a:rPr lang="es-AR" dirty="0" smtClean="0"/>
+              <a:t>.</a:t>
+            </a:r>
+            <a:endParaRPr lang="es-AR" dirty="0"/>
+          </a:p>
+        </p:txBody>
+      </p:sp>
+      <p:pic>
+        <p:nvPicPr>
+          <p:cNvPr id="4" name="Marcador de contenido 3"/>
+          <p:cNvPicPr>
+            <a:picLocks noGrp="1" noChangeAspect="1"/>
+          </p:cNvPicPr>
+          <p:nvPr>
+            <p:ph idx="1"/>
+          </p:nvPr>
+        </p:nvPicPr>
+        <p:blipFill>
+          <a:blip r:embed="rId2">
+            <a:extLst>
+              <a:ext uri="{28A0092B-C50C-407E-A947-70E740481C1C}">
+                <a14:useLocalDpi xmlns:a14="http://schemas.microsoft.com/office/drawing/2010/main" val="0"/>
+              </a:ext>
+            </a:extLst>
+          </a:blip>
+          <a:stretch>
+            <a:fillRect/>
+          </a:stretch>
+        </p:blipFill>
+        <p:spPr>
+          <a:xfrm>
+            <a:off x="0" y="1685109"/>
+            <a:ext cx="12192000" cy="4898571"/>
+          </a:xfrm>
+        </p:spPr>
+      </p:pic>
+    </p:spTree>
+    <p:extLst>
+      <p:ext uri="{BB962C8B-B14F-4D97-AF65-F5344CB8AC3E}">
+        <p14:creationId xmlns:p14="http://schemas.microsoft.com/office/powerpoint/2010/main" val="858599095"/>
+      </p:ext>
+    </p:extLst>
+  </p:cSld>
+  <p:clrMapOvr>
+    <a:masterClrMapping/>
+  </p:clrMapOvr>
+</p:sld>
+</file>
+
+<file path=ppt/slides/slide15.xml><?xml version="1.0" encoding="utf-8"?>
+<p:sld xmlns:a="http://schemas.openxmlformats.org/drawingml/2006/main" xmlns:r="http://schemas.openxmlformats.org/officeDocument/2006/relationships" xmlns:p="http://schemas.openxmlformats.org/presentationml/2006/main">
+  <p:cSld>
+    <p:spTree>
+      <p:nvGrpSpPr>
+        <p:cNvPr id="1" name=""/>
+        <p:cNvGrpSpPr/>
+        <p:nvPr/>
+      </p:nvGrpSpPr>
+      <p:grpSpPr>
+        <a:xfrm>
+          <a:off x="0" y="0"/>
+          <a:ext cx="0" cy="0"/>
+          <a:chOff x="0" y="0"/>
+          <a:chExt cx="0" cy="0"/>
+        </a:xfrm>
+      </p:grpSpPr>
+      <p:sp>
+        <p:nvSpPr>
+          <p:cNvPr id="2" name="Título 1"/>
+          <p:cNvSpPr>
+            <a:spLocks noGrp="1"/>
+          </p:cNvSpPr>
+          <p:nvPr>
+            <p:ph type="title"/>
+          </p:nvPr>
+        </p:nvSpPr>
+        <p:spPr/>
+        <p:txBody>
+          <a:bodyPr/>
+          <a:lstStyle/>
+          <a:p>
+            <a:r>
+              <a:rPr lang="es-AR" dirty="0" smtClean="0"/>
+              <a:t>Patrón </a:t>
+            </a:r>
+            <a:r>
+              <a:rPr lang="es-AR" dirty="0" err="1" smtClean="0"/>
+              <a:t>Observer</a:t>
+            </a:r>
+            <a:r>
+              <a:rPr lang="es-AR" dirty="0" smtClean="0"/>
+              <a:t>.</a:t>
+            </a:r>
+            <a:endParaRPr lang="es-AR" dirty="0"/>
+          </a:p>
+        </p:txBody>
+      </p:sp>
+      <p:pic>
+        <p:nvPicPr>
+          <p:cNvPr id="4" name="Marcador de contenido 3"/>
+          <p:cNvPicPr>
+            <a:picLocks noGrp="1" noChangeAspect="1"/>
+          </p:cNvPicPr>
+          <p:nvPr>
+            <p:ph idx="1"/>
+          </p:nvPr>
+        </p:nvPicPr>
+        <p:blipFill>
+          <a:blip r:embed="rId2">
+            <a:extLst>
+              <a:ext uri="{28A0092B-C50C-407E-A947-70E740481C1C}">
+                <a14:useLocalDpi xmlns:a14="http://schemas.microsoft.com/office/drawing/2010/main" val="0"/>
+              </a:ext>
+            </a:extLst>
+          </a:blip>
+          <a:stretch>
+            <a:fillRect/>
+          </a:stretch>
+        </p:blipFill>
+        <p:spPr>
+          <a:xfrm>
+            <a:off x="646111" y="1985244"/>
+            <a:ext cx="10855234" cy="4415556"/>
+          </a:xfrm>
+        </p:spPr>
+      </p:pic>
+    </p:spTree>
+    <p:extLst>
+      <p:ext uri="{BB962C8B-B14F-4D97-AF65-F5344CB8AC3E}">
+        <p14:creationId xmlns:p14="http://schemas.microsoft.com/office/powerpoint/2010/main" val="1662860764"/>
+      </p:ext>
+    </p:extLst>
+  </p:cSld>
+  <p:clrMapOvr>
+    <a:masterClrMapping/>
+  </p:clrMapOvr>
+</p:sld>
+</file>
+
+<file path=ppt/slides/slide16.xml><?xml version="1.0" encoding="utf-8"?>
+<p:sld xmlns:a="http://schemas.openxmlformats.org/drawingml/2006/main" xmlns:r="http://schemas.openxmlformats.org/officeDocument/2006/relationships" xmlns:p="http://schemas.openxmlformats.org/presentationml/2006/main">
+  <p:cSld>
+    <p:spTree>
+      <p:nvGrpSpPr>
+        <p:cNvPr id="1" name=""/>
+        <p:cNvGrpSpPr/>
+        <p:nvPr/>
+      </p:nvGrpSpPr>
+      <p:grpSpPr>
+        <a:xfrm>
+          <a:off x="0" y="0"/>
+          <a:ext cx="0" cy="0"/>
+          <a:chOff x="0" y="0"/>
+          <a:chExt cx="0" cy="0"/>
+        </a:xfrm>
+      </p:grpSpPr>
+      <p:sp>
+        <p:nvSpPr>
+          <p:cNvPr id="2" name="Título 1"/>
+          <p:cNvSpPr>
+            <a:spLocks noGrp="1"/>
+          </p:cNvSpPr>
+          <p:nvPr>
+            <p:ph type="title"/>
+          </p:nvPr>
+        </p:nvSpPr>
         <p:spPr>
           <a:xfrm>
             <a:off x="241163" y="152272"/>
@@ -35858,11 +36149,7 @@
           <a:p>
             <a:r>
               <a:rPr lang="es-AR" dirty="0" smtClean="0"/>
-              <a:t>Diagrama de </a:t>
-            </a:r>
-            <a:r>
-              <a:rPr lang="es-AR" dirty="0" smtClean="0"/>
-              <a:t>Paquetes (</a:t>
+              <a:t>Diagrama de Paquetes (</a:t>
             </a:r>
             <a:r>
               <a:rPr lang="es-AR" dirty="0" err="1" smtClean="0"/>
@@ -35918,7 +36205,7 @@
 </p:sld>
 </file>
 
-<file path=ppt/slides/slide15.xml><?xml version="1.0" encoding="utf-8"?>
+<file path=ppt/slides/slide17.xml><?xml version="1.0" encoding="utf-8"?>
 <p:sld xmlns:a="http://schemas.openxmlformats.org/drawingml/2006/main" xmlns:r="http://schemas.openxmlformats.org/officeDocument/2006/relationships" xmlns:p="http://schemas.openxmlformats.org/presentationml/2006/main">
   <p:cSld>
     <p:spTree>
@@ -36051,7 +36338,7 @@
 </p:sld>
 </file>
 
-<file path=ppt/slides/slide16.xml><?xml version="1.0" encoding="utf-8"?>
+<file path=ppt/slides/slide18.xml><?xml version="1.0" encoding="utf-8"?>
 <p:sld xmlns:a="http://schemas.openxmlformats.org/drawingml/2006/main" xmlns:r="http://schemas.openxmlformats.org/officeDocument/2006/relationships" xmlns:p="http://schemas.openxmlformats.org/presentationml/2006/main">
   <p:cSld>
     <p:spTree>

--- a/docs/PresentacionPowerPoint.pptx
+++ b/docs/PresentacionPowerPoint.pptx
@@ -26,8 +26,9 @@
     <p:sldId id="267" r:id="rId20"/>
     <p:sldId id="268" r:id="rId21"/>
     <p:sldId id="269" r:id="rId22"/>
-    <p:sldId id="270" r:id="rId23"/>
-    <p:sldId id="271" r:id="rId24"/>
+    <p:sldId id="274" r:id="rId23"/>
+    <p:sldId id="270" r:id="rId24"/>
+    <p:sldId id="271" r:id="rId25"/>
   </p:sldIdLst>
   <p:sldSz cx="12192000" cy="6858000"/>
   <p:notesSz cx="6858000" cy="9144000"/>
@@ -35539,11 +35540,7 @@
           <a:p>
             <a:r>
               <a:rPr lang="es-AR" dirty="0" smtClean="0"/>
-              <a:t>Documento de diseño</a:t>
-            </a:r>
-            <a:r>
-              <a:rPr lang="es-AR" dirty="0" smtClean="0"/>
-              <a:t>. (</a:t>
+              <a:t>Documento de diseño. (</a:t>
             </a:r>
             <a:r>
               <a:rPr lang="es-AR" dirty="0" err="1" smtClean="0"/>
@@ -35776,7 +35773,12 @@
             <p:ph type="title"/>
           </p:nvPr>
         </p:nvSpPr>
-        <p:spPr/>
+        <p:spPr>
+          <a:xfrm>
+            <a:off x="110534" y="0"/>
+            <a:ext cx="9404723" cy="1400530"/>
+          </a:xfrm>
+        </p:spPr>
         <p:txBody>
           <a:bodyPr/>
           <a:lstStyle/>
@@ -35808,25 +35810,65 @@
           </a:p>
         </p:txBody>
       </p:sp>
-      <p:sp>
-        <p:nvSpPr>
-          <p:cNvPr id="3" name="Marcador de contenido 2"/>
-          <p:cNvSpPr>
-            <a:spLocks noGrp="1"/>
-          </p:cNvSpPr>
+      <p:pic>
+        <p:nvPicPr>
+          <p:cNvPr id="6" name="Marcador de contenido 5"/>
+          <p:cNvPicPr>
+            <a:picLocks noGrp="1" noChangeAspect="1"/>
+          </p:cNvPicPr>
           <p:nvPr>
             <p:ph idx="1"/>
           </p:nvPr>
-        </p:nvSpPr>
-        <p:spPr/>
-        <p:txBody>
-          <a:bodyPr/>
-          <a:lstStyle/>
-          <a:p>
-            <a:endParaRPr lang="es-AR" dirty="0"/>
-          </a:p>
-        </p:txBody>
-      </p:sp>
+        </p:nvPicPr>
+        <p:blipFill>
+          <a:blip r:embed="rId2">
+            <a:extLst>
+              <a:ext uri="{28A0092B-C50C-407E-A947-70E740481C1C}">
+                <a14:useLocalDpi xmlns:a14="http://schemas.microsoft.com/office/drawing/2010/main" val="0"/>
+              </a:ext>
+            </a:extLst>
+          </a:blip>
+          <a:stretch>
+            <a:fillRect/>
+          </a:stretch>
+        </p:blipFill>
+        <p:spPr>
+          <a:xfrm>
+            <a:off x="110534" y="1704540"/>
+            <a:ext cx="5640599" cy="3246283"/>
+          </a:xfrm>
+        </p:spPr>
+      </p:pic>
+      <p:pic>
+        <p:nvPicPr>
+          <p:cNvPr id="7" name="Imagen 6"/>
+          <p:cNvPicPr>
+            <a:picLocks noChangeAspect="1"/>
+          </p:cNvPicPr>
+          <p:nvPr/>
+        </p:nvPicPr>
+        <p:blipFill>
+          <a:blip r:embed="rId3">
+            <a:extLst>
+              <a:ext uri="{28A0092B-C50C-407E-A947-70E740481C1C}">
+                <a14:useLocalDpi xmlns:a14="http://schemas.microsoft.com/office/drawing/2010/main" val="0"/>
+              </a:ext>
+            </a:extLst>
+          </a:blip>
+          <a:stretch>
+            <a:fillRect/>
+          </a:stretch>
+        </p:blipFill>
+        <p:spPr>
+          <a:xfrm>
+            <a:off x="5969726" y="3113702"/>
+            <a:ext cx="6178110" cy="3597477"/>
+          </a:xfrm>
+          <a:prstGeom prst="rect">
+            <a:avLst/>
+          </a:prstGeom>
+        </p:spPr>
+      </p:pic>
     </p:spTree>
     <p:extLst>
       <p:ext uri="{BB962C8B-B14F-4D97-AF65-F5344CB8AC3E}">
@@ -36206,6 +36248,100 @@
 </file>
 
 <file path=ppt/slides/slide17.xml><?xml version="1.0" encoding="utf-8"?>
+<p:sld xmlns:a="http://schemas.openxmlformats.org/drawingml/2006/main" xmlns:r="http://schemas.openxmlformats.org/officeDocument/2006/relationships" xmlns:p="http://schemas.openxmlformats.org/presentationml/2006/main">
+  <p:cSld>
+    <p:spTree>
+      <p:nvGrpSpPr>
+        <p:cNvPr id="1" name=""/>
+        <p:cNvGrpSpPr/>
+        <p:nvPr/>
+      </p:nvGrpSpPr>
+      <p:grpSpPr>
+        <a:xfrm>
+          <a:off x="0" y="0"/>
+          <a:ext cx="0" cy="0"/>
+          <a:chOff x="0" y="0"/>
+          <a:chExt cx="0" cy="0"/>
+        </a:xfrm>
+      </p:grpSpPr>
+      <p:sp>
+        <p:nvSpPr>
+          <p:cNvPr id="2" name="Título 1"/>
+          <p:cNvSpPr>
+            <a:spLocks noGrp="1"/>
+          </p:cNvSpPr>
+          <p:nvPr>
+            <p:ph type="title"/>
+          </p:nvPr>
+        </p:nvSpPr>
+        <p:spPr/>
+        <p:txBody>
+          <a:bodyPr/>
+          <a:lstStyle/>
+          <a:p>
+            <a:r>
+              <a:rPr lang="es-AR" dirty="0"/>
+              <a:t>Diagrama de Paquetes </a:t>
+            </a:r>
+            <a:r>
+              <a:rPr lang="es-AR" dirty="0" smtClean="0"/>
+              <a:t>(</a:t>
+            </a:r>
+            <a:r>
+              <a:rPr lang="es-AR" dirty="0" err="1" smtClean="0"/>
+              <a:t>Model</a:t>
+            </a:r>
+            <a:r>
+              <a:rPr lang="es-AR" dirty="0" smtClean="0"/>
+              <a:t>).</a:t>
+            </a:r>
+            <a:endParaRPr lang="es-AR" dirty="0"/>
+          </a:p>
+        </p:txBody>
+      </p:sp>
+      <p:pic>
+        <p:nvPicPr>
+          <p:cNvPr id="4" name="Marcador de contenido 3"/>
+          <p:cNvPicPr>
+            <a:picLocks noGrp="1" noChangeAspect="1"/>
+          </p:cNvPicPr>
+          <p:nvPr>
+            <p:ph idx="1"/>
+          </p:nvPr>
+        </p:nvPicPr>
+        <p:blipFill>
+          <a:blip r:embed="rId2">
+            <a:extLst>
+              <a:ext uri="{28A0092B-C50C-407E-A947-70E740481C1C}">
+                <a14:useLocalDpi xmlns:a14="http://schemas.microsoft.com/office/drawing/2010/main" val="0"/>
+              </a:ext>
+            </a:extLst>
+          </a:blip>
+          <a:stretch>
+            <a:fillRect/>
+          </a:stretch>
+        </p:blipFill>
+        <p:spPr>
+          <a:xfrm>
+            <a:off x="2612571" y="1422755"/>
+            <a:ext cx="6426926" cy="5160733"/>
+          </a:xfrm>
+        </p:spPr>
+      </p:pic>
+    </p:spTree>
+    <p:extLst>
+      <p:ext uri="{BB962C8B-B14F-4D97-AF65-F5344CB8AC3E}">
+        <p14:creationId xmlns:p14="http://schemas.microsoft.com/office/powerpoint/2010/main" val="1488379440"/>
+      </p:ext>
+    </p:extLst>
+  </p:cSld>
+  <p:clrMapOvr>
+    <a:masterClrMapping/>
+  </p:clrMapOvr>
+</p:sld>
+</file>
+
+<file path=ppt/slides/slide18.xml><?xml version="1.0" encoding="utf-8"?>
 <p:sld xmlns:a="http://schemas.openxmlformats.org/drawingml/2006/main" xmlns:r="http://schemas.openxmlformats.org/officeDocument/2006/relationships" xmlns:p="http://schemas.openxmlformats.org/presentationml/2006/main">
   <p:cSld>
     <p:spTree>
@@ -36338,7 +36474,7 @@
 </p:sld>
 </file>
 
-<file path=ppt/slides/slide18.xml><?xml version="1.0" encoding="utf-8"?>
+<file path=ppt/slides/slide19.xml><?xml version="1.0" encoding="utf-8"?>
 <p:sld xmlns:a="http://schemas.openxmlformats.org/drawingml/2006/main" xmlns:r="http://schemas.openxmlformats.org/officeDocument/2006/relationships" xmlns:p="http://schemas.openxmlformats.org/presentationml/2006/main">
   <p:cSld>
     <p:spTree>
